--- a/PROINZ_TG08.2_Flip_memo.pptx
+++ b/PROINZ_TG08.2_Flip_memo.pptx
@@ -6,7 +6,7 @@
     <p:sldMasterId id="2147483696" r:id="rId2"/>
   </p:sldMasterIdLst>
   <p:notesMasterIdLst>
-    <p:notesMasterId r:id="rId24"/>
+    <p:notesMasterId r:id="rId23"/>
   </p:notesMasterIdLst>
   <p:sldIdLst>
     <p:sldId id="265" r:id="rId3"/>
@@ -29,7 +29,6 @@
     <p:sldId id="281" r:id="rId20"/>
     <p:sldId id="282" r:id="rId21"/>
     <p:sldId id="263" r:id="rId22"/>
-    <p:sldId id="264" r:id="rId23"/>
   </p:sldIdLst>
   <p:sldSz cx="9144000" cy="6858000" type="screen4x3"/>
   <p:notesSz cx="6858000" cy="9144000"/>
@@ -16686,163 +16685,6 @@
     <p:extLst>
       <p:ext uri="{BB962C8B-B14F-4D97-AF65-F5344CB8AC3E}">
         <p14:creationId xmlns:p14="http://schemas.microsoft.com/office/powerpoint/2010/main" val="48259320"/>
-      </p:ext>
-    </p:extLst>
-  </p:cSld>
-  <p:clrMapOvr>
-    <a:masterClrMapping/>
-  </p:clrMapOvr>
-</p:sld>
-</file>
-
-<file path=ppt/slides/slide21.xml><?xml version="1.0" encoding="utf-8"?>
-<p:sld xmlns:a="http://schemas.openxmlformats.org/drawingml/2006/main" xmlns:r="http://schemas.openxmlformats.org/officeDocument/2006/relationships" xmlns:p="http://schemas.openxmlformats.org/presentationml/2006/main">
-  <p:cSld>
-    <p:spTree>
-      <p:nvGrpSpPr>
-        <p:cNvPr id="1" name=""/>
-        <p:cNvGrpSpPr/>
-        <p:nvPr/>
-      </p:nvGrpSpPr>
-      <p:grpSpPr>
-        <a:xfrm>
-          <a:off x="0" y="0"/>
-          <a:ext cx="0" cy="0"/>
-          <a:chOff x="0" y="0"/>
-          <a:chExt cx="0" cy="0"/>
-        </a:xfrm>
-      </p:grpSpPr>
-      <p:sp>
-        <p:nvSpPr>
-          <p:cNvPr id="2" name="Title 1"/>
-          <p:cNvSpPr>
-            <a:spLocks noGrp="1"/>
-          </p:cNvSpPr>
-          <p:nvPr>
-            <p:ph type="title"/>
-          </p:nvPr>
-        </p:nvSpPr>
-        <p:spPr/>
-        <p:txBody>
-          <a:bodyPr/>
-          <a:lstStyle/>
-          <a:p>
-            <a:r>
-              <a:rPr lang="hr-HR" i="1" noProof="0" dirty="0"/>
-              <a:t>Nekoliko savjeta</a:t>
-            </a:r>
-          </a:p>
-        </p:txBody>
-      </p:sp>
-      <p:sp>
-        <p:nvSpPr>
-          <p:cNvPr id="3" name="Content Placeholder 2"/>
-          <p:cNvSpPr>
-            <a:spLocks noGrp="1"/>
-          </p:cNvSpPr>
-          <p:nvPr>
-            <p:ph idx="1"/>
-          </p:nvPr>
-        </p:nvSpPr>
-        <p:spPr/>
-        <p:txBody>
-          <a:bodyPr>
-            <a:normAutofit/>
-          </a:bodyPr>
-          <a:lstStyle/>
-          <a:p>
-            <a:r>
-              <a:rPr lang="hr-HR" noProof="0" dirty="0"/>
-              <a:t>10-15 slajdova je sasvim dovoljno – istaknite samo najvažnije činjenice</a:t>
-            </a:r>
-          </a:p>
-          <a:p>
-            <a:r>
-              <a:rPr lang="hr-HR" noProof="0" dirty="0"/>
-              <a:t>Prezentaciju možete grafički urediti prema svojem nahođenju uz ograničenja:</a:t>
-            </a:r>
-          </a:p>
-          <a:p>
-            <a:pPr lvl="1"/>
-            <a:r>
-              <a:rPr lang="hr-HR" noProof="0" dirty="0"/>
-              <a:t>Obavezan sadržaj naslovne stranice</a:t>
-            </a:r>
-          </a:p>
-          <a:p>
-            <a:pPr lvl="1"/>
-            <a:r>
-              <a:rPr lang="hr-HR" noProof="0" dirty="0"/>
-              <a:t>Obavezni brojevi stranica</a:t>
-            </a:r>
-          </a:p>
-          <a:p>
-            <a:r>
-              <a:rPr lang="hr-HR" b="1" noProof="0" dirty="0"/>
-              <a:t>Priprema izlaganja na satu:</a:t>
-            </a:r>
-          </a:p>
-          <a:p>
-            <a:pPr lvl="1"/>
-            <a:r>
-              <a:rPr lang="hr-HR" noProof="0" dirty="0"/>
-              <a:t>Pokrenite sve potrebne programe i alate na računalu prije početka Vašeg izlaganja te provjerite kompatibilnost opreme!</a:t>
-            </a:r>
-          </a:p>
-          <a:p>
-            <a:pPr lvl="2"/>
-            <a:r>
-              <a:rPr lang="hr-HR" dirty="0"/>
-              <a:t>Standardni HDMI priključak. Eduraom.</a:t>
-            </a:r>
-            <a:endParaRPr lang="hr-HR" noProof="0" dirty="0"/>
-          </a:p>
-          <a:p>
-            <a:pPr lvl="1"/>
-            <a:r>
-              <a:rPr lang="pl-PL" dirty="0"/>
-              <a:t>Vježbati izlaganje u 15 minuta.</a:t>
-            </a:r>
-          </a:p>
-          <a:p>
-            <a:pPr lvl="1"/>
-            <a:r>
-              <a:rPr lang="hr-HR" b="1" noProof="0" dirty="0"/>
-              <a:t>Poštujte zadani vremenski okvir!</a:t>
-            </a:r>
-          </a:p>
-          <a:p>
-            <a:endParaRPr lang="hr-HR" noProof="0" dirty="0"/>
-          </a:p>
-        </p:txBody>
-      </p:sp>
-      <p:sp>
-        <p:nvSpPr>
-          <p:cNvPr id="4" name="Slide Number Placeholder 3"/>
-          <p:cNvSpPr>
-            <a:spLocks noGrp="1"/>
-          </p:cNvSpPr>
-          <p:nvPr>
-            <p:ph type="sldNum" sz="quarter" idx="12"/>
-          </p:nvPr>
-        </p:nvSpPr>
-        <p:spPr/>
-        <p:txBody>
-          <a:bodyPr/>
-          <a:lstStyle/>
-          <a:p>
-            <a:fld id="{FAA41844-C0CA-4144-9D6C-D993F0C0FAB4}" type="slidenum">
-              <a:rPr lang="hr-HR" smtClean="0"/>
-              <a:t>21</a:t>
-            </a:fld>
-            <a:endParaRPr lang="hr-HR" dirty="0"/>
-          </a:p>
-        </p:txBody>
-      </p:sp>
-    </p:spTree>
-    <p:extLst>
-      <p:ext uri="{BB962C8B-B14F-4D97-AF65-F5344CB8AC3E}">
-        <p14:creationId xmlns:p14="http://schemas.microsoft.com/office/powerpoint/2010/main" val="3641737146"/>
       </p:ext>
     </p:extLst>
   </p:cSld>
